--- a/R_project/Presentaion_Bis15.pptx
+++ b/R_project/Presentaion_Bis15.pptx
@@ -15,6 +15,12 @@
     <p:sldId id="263" r:id="rId9"/>
     <p:sldId id="264" r:id="rId10"/>
     <p:sldId id="265" r:id="rId11"/>
+    <p:sldId id="266" r:id="rId12"/>
+    <p:sldId id="267" r:id="rId13"/>
+    <p:sldId id="268" r:id="rId14"/>
+    <p:sldId id="269" r:id="rId15"/>
+    <p:sldId id="270" r:id="rId16"/>
+    <p:sldId id="271" r:id="rId17"/>
   </p:sldIdLst>
   <p:sldSz cx="9144000" cy="5143500" type="screen16x9"/>
   <p:notesSz cx="6858000" cy="9144000"/>
@@ -3210,6 +3216,36 @@
       </p:grpSpPr>
       <p:sp>
         <p:nvSpPr>
+          <p:cNvPr id="2" name="Title 1"/>
+          <p:cNvSpPr>
+            <a:spLocks noGrp="1"/>
+          </p:cNvSpPr>
+          <p:nvPr>
+            <p:ph type="title"/>
+          </p:nvPr>
+        </p:nvSpPr>
+        <p:spPr>
+          <a:xfrm>
+            <a:off x="457201" y="204787"/>
+            <a:ext cx="3008313" cy="871538"/>
+          </a:xfrm>
+        </p:spPr>
+        <p:txBody>
+          <a:bodyPr/>
+          <a:lstStyle/>
+          <a:p>
+            <a:pPr lvl="0" indent="0" marL="0">
+              <a:buNone/>
+            </a:pPr>
+            <a:r>
+              <a:rPr/>
+              <a:t>How does Depression Scores affect Brooding scores?</a:t>
+            </a:r>
+          </a:p>
+        </p:txBody>
+      </p:sp>
+      <p:sp>
+        <p:nvSpPr>
           <p:cNvPr id="4" name="Text Placeholder 3"/>
           <p:cNvSpPr>
             <a:spLocks noGrp="1"/>
@@ -3222,15 +3258,6 @@
         <p:txBody>
           <a:bodyPr/>
           <a:lstStyle/>
-          <a:p>
-            <a:pPr lvl="0" indent="0" marL="0">
-              <a:buNone/>
-            </a:pPr>
-            <a:r>
-              <a:rPr/>
-              <a:t> ## How does Depression Scores affect Brooding scores?</a:t>
-            </a:r>
-          </a:p>
           <a:p>
             <a:pPr lvl="0" indent="0">
               <a:buNone/>
@@ -3274,6 +3301,550 @@
           </a:ln>
         </p:spPr>
       </p:pic>
+    </p:spTree>
+  </p:cSld>
+</p:sld>
+</file>
+
+<file path=ppt/slides/slide11.xml><?xml version="1.0" encoding="utf-8"?>
+<p:sld xmlns:a="http://schemas.openxmlformats.org/drawingml/2006/main" xmlns:r="http://schemas.openxmlformats.org/officeDocument/2006/relationships" xmlns:p="http://schemas.openxmlformats.org/presentationml/2006/main">
+  <p:cSld>
+    <p:spTree>
+      <p:nvGrpSpPr>
+        <p:cNvPr id="1" name=""/>
+        <p:cNvGrpSpPr/>
+        <p:nvPr/>
+      </p:nvGrpSpPr>
+      <p:grpSpPr>
+        <a:xfrm>
+          <a:off x="0" y="0"/>
+          <a:ext cx="0" cy="0"/>
+          <a:chOff x="0" y="0"/>
+          <a:chExt cx="0" cy="0"/>
+        </a:xfrm>
+      </p:grpSpPr>
+      <p:sp>
+        <p:nvSpPr>
+          <p:cNvPr id="2" name="Title 1"/>
+          <p:cNvSpPr>
+            <a:spLocks noGrp="1"/>
+          </p:cNvSpPr>
+          <p:nvPr>
+            <p:ph type="title"/>
+          </p:nvPr>
+        </p:nvSpPr>
+        <p:spPr/>
+        <p:txBody>
+          <a:bodyPr/>
+          <a:lstStyle/>
+          <a:p>
+            <a:pPr lvl="0" indent="0" marL="0">
+              <a:buNone/>
+            </a:pPr>
+            <a:r>
+              <a:rPr/>
+              <a:t>How does Depression Scores affect Brooding scores?</a:t>
+            </a:r>
+          </a:p>
+        </p:txBody>
+      </p:sp>
+      <p:pic>
+        <p:nvPicPr>
+          <p:cNvPr descr="Presentaion_Bis15_files/figure-pptx/unnamed-chunk-11-1.png" id="0" name="Picture 1"/>
+          <p:cNvPicPr>
+            <a:picLocks noGrp="1" noChangeAspect="1"/>
+          </p:cNvPicPr>
+          <p:nvPr/>
+        </p:nvPicPr>
+        <p:blipFill>
+          <a:blip r:embed="rId2"/>
+          <a:stretch>
+            <a:fillRect/>
+          </a:stretch>
+        </p:blipFill>
+        <p:spPr bwMode="auto">
+          <a:xfrm>
+            <a:off x="2451100" y="1193800"/>
+            <a:ext cx="4241800" cy="3390900"/>
+          </a:xfrm>
+          <a:prstGeom prst="rect">
+            <a:avLst/>
+          </a:prstGeom>
+          <a:noFill/>
+          <a:ln w="9525">
+            <a:noFill/>
+            <a:headEnd/>
+            <a:tailEnd/>
+          </a:ln>
+        </p:spPr>
+      </p:pic>
+    </p:spTree>
+  </p:cSld>
+</p:sld>
+</file>
+
+<file path=ppt/slides/slide12.xml><?xml version="1.0" encoding="utf-8"?>
+<p:sld xmlns:a="http://schemas.openxmlformats.org/drawingml/2006/main" xmlns:r="http://schemas.openxmlformats.org/officeDocument/2006/relationships" xmlns:p="http://schemas.openxmlformats.org/presentationml/2006/main">
+  <p:cSld>
+    <p:spTree>
+      <p:nvGrpSpPr>
+        <p:cNvPr id="1" name=""/>
+        <p:cNvGrpSpPr/>
+        <p:nvPr/>
+      </p:nvGrpSpPr>
+      <p:grpSpPr>
+        <a:xfrm>
+          <a:off x="0" y="0"/>
+          <a:ext cx="0" cy="0"/>
+          <a:chOff x="0" y="0"/>
+          <a:chExt cx="0" cy="0"/>
+        </a:xfrm>
+      </p:grpSpPr>
+      <p:sp>
+        <p:nvSpPr>
+          <p:cNvPr id="2" name="Title 1"/>
+          <p:cNvSpPr>
+            <a:spLocks noGrp="1"/>
+          </p:cNvSpPr>
+          <p:nvPr>
+            <p:ph type="title"/>
+          </p:nvPr>
+        </p:nvSpPr>
+        <p:spPr/>
+        <p:txBody>
+          <a:bodyPr/>
+          <a:lstStyle/>
+          <a:p>
+            <a:pPr lvl="0" indent="0" marL="0">
+              <a:buNone/>
+            </a:pPr>
+            <a:r>
+              <a:rPr/>
+              <a:t>Graphically, how does that compare amongst different groups?</a:t>
+            </a:r>
+          </a:p>
+        </p:txBody>
+      </p:sp>
+      <p:pic>
+        <p:nvPicPr>
+          <p:cNvPr descr="Presentaion_Bis15_files/figure-pptx/unnamed-chunk-15-1.png" id="0" name="Picture 1"/>
+          <p:cNvPicPr>
+            <a:picLocks noGrp="1" noChangeAspect="1"/>
+          </p:cNvPicPr>
+          <p:nvPr/>
+        </p:nvPicPr>
+        <p:blipFill>
+          <a:blip r:embed="rId2"/>
+          <a:stretch>
+            <a:fillRect/>
+          </a:stretch>
+        </p:blipFill>
+        <p:spPr bwMode="auto">
+          <a:xfrm>
+            <a:off x="2451100" y="1193800"/>
+            <a:ext cx="4241800" cy="3390900"/>
+          </a:xfrm>
+          <a:prstGeom prst="rect">
+            <a:avLst/>
+          </a:prstGeom>
+          <a:noFill/>
+          <a:ln w="9525">
+            <a:noFill/>
+            <a:headEnd/>
+            <a:tailEnd/>
+          </a:ln>
+        </p:spPr>
+      </p:pic>
+    </p:spTree>
+  </p:cSld>
+</p:sld>
+</file>
+
+<file path=ppt/slides/slide13.xml><?xml version="1.0" encoding="utf-8"?>
+<p:sld xmlns:a="http://schemas.openxmlformats.org/drawingml/2006/main" xmlns:r="http://schemas.openxmlformats.org/officeDocument/2006/relationships" xmlns:p="http://schemas.openxmlformats.org/presentationml/2006/main">
+  <p:cSld>
+    <p:spTree>
+      <p:nvGrpSpPr>
+        <p:cNvPr id="1" name=""/>
+        <p:cNvGrpSpPr/>
+        <p:nvPr/>
+      </p:nvGrpSpPr>
+      <p:grpSpPr>
+        <a:xfrm>
+          <a:off x="0" y="0"/>
+          <a:ext cx="0" cy="0"/>
+          <a:chOff x="0" y="0"/>
+          <a:chExt cx="0" cy="0"/>
+        </a:xfrm>
+      </p:grpSpPr>
+      <p:sp>
+        <p:nvSpPr>
+          <p:cNvPr id="2" name="Title 1"/>
+          <p:cNvSpPr>
+            <a:spLocks noGrp="1"/>
+          </p:cNvSpPr>
+          <p:nvPr>
+            <p:ph type="title"/>
+          </p:nvPr>
+        </p:nvSpPr>
+        <p:spPr/>
+        <p:txBody>
+          <a:bodyPr/>
+          <a:lstStyle/>
+          <a:p>
+            <a:pPr lvl="0" indent="0" marL="0">
+              <a:buNone/>
+            </a:pPr>
+            <a:r>
+              <a:rPr/>
+              <a:t>How about Anxiety level?</a:t>
+            </a:r>
+          </a:p>
+        </p:txBody>
+      </p:sp>
+      <p:pic>
+        <p:nvPicPr>
+          <p:cNvPr descr="Presentaion_Bis15_files/figure-pptx/unnamed-chunk-17-1.png" id="0" name="Picture 1"/>
+          <p:cNvPicPr>
+            <a:picLocks noGrp="1" noChangeAspect="1"/>
+          </p:cNvPicPr>
+          <p:nvPr/>
+        </p:nvPicPr>
+        <p:blipFill>
+          <a:blip r:embed="rId2"/>
+          <a:stretch>
+            <a:fillRect/>
+          </a:stretch>
+        </p:blipFill>
+        <p:spPr bwMode="auto">
+          <a:xfrm>
+            <a:off x="2451100" y="1193800"/>
+            <a:ext cx="4241800" cy="3390900"/>
+          </a:xfrm>
+          <a:prstGeom prst="rect">
+            <a:avLst/>
+          </a:prstGeom>
+          <a:noFill/>
+          <a:ln w="9525">
+            <a:noFill/>
+            <a:headEnd/>
+            <a:tailEnd/>
+          </a:ln>
+        </p:spPr>
+      </p:pic>
+    </p:spTree>
+  </p:cSld>
+</p:sld>
+</file>
+
+<file path=ppt/slides/slide14.xml><?xml version="1.0" encoding="utf-8"?>
+<p:sld xmlns:a="http://schemas.openxmlformats.org/drawingml/2006/main" xmlns:r="http://schemas.openxmlformats.org/officeDocument/2006/relationships" xmlns:p="http://schemas.openxmlformats.org/presentationml/2006/main">
+  <p:cSld>
+    <p:spTree>
+      <p:nvGrpSpPr>
+        <p:cNvPr id="1" name=""/>
+        <p:cNvGrpSpPr/>
+        <p:nvPr/>
+      </p:nvGrpSpPr>
+      <p:grpSpPr>
+        <a:xfrm>
+          <a:off x="0" y="0"/>
+          <a:ext cx="0" cy="0"/>
+          <a:chOff x="0" y="0"/>
+          <a:chExt cx="0" cy="0"/>
+        </a:xfrm>
+      </p:grpSpPr>
+      <p:sp>
+        <p:nvSpPr>
+          <p:cNvPr id="2" name="Title 1"/>
+          <p:cNvSpPr>
+            <a:spLocks noGrp="1"/>
+          </p:cNvSpPr>
+          <p:nvPr>
+            <p:ph type="title"/>
+          </p:nvPr>
+        </p:nvSpPr>
+        <p:spPr>
+          <a:xfrm>
+            <a:off x="457201" y="204787"/>
+            <a:ext cx="3008313" cy="871538"/>
+          </a:xfrm>
+        </p:spPr>
+        <p:txBody>
+          <a:bodyPr/>
+          <a:lstStyle/>
+          <a:p>
+            <a:pPr lvl="0" indent="0" marL="0">
+              <a:buNone/>
+            </a:pPr>
+            <a:r>
+              <a:rPr/>
+              <a:t>PTSD values</a:t>
+            </a:r>
+          </a:p>
+        </p:txBody>
+      </p:sp>
+      <p:sp>
+        <p:nvSpPr>
+          <p:cNvPr id="4" name="Text Placeholder 3"/>
+          <p:cNvSpPr>
+            <a:spLocks noGrp="1"/>
+          </p:cNvSpPr>
+          <p:nvPr>
+            <p:ph idx="2" sz="half" type="body"/>
+          </p:nvPr>
+        </p:nvSpPr>
+        <p:spPr/>
+        <p:txBody>
+          <a:bodyPr/>
+          <a:lstStyle/>
+          <a:p>
+            <a:pPr lvl="0" indent="0">
+              <a:buNone/>
+            </a:pPr>
+            <a:r>
+              <a:rPr>
+                <a:latin typeface="Courier"/>
+              </a:rPr>
+              <a:t>## Scale for colour is already present.
+## Adding another scale for colour, which will replace the existing scale.</a:t>
+            </a:r>
+          </a:p>
+        </p:txBody>
+      </p:sp>
+      <p:pic>
+        <p:nvPicPr>
+          <p:cNvPr descr="Presentaion_Bis15_files/figure-pptx/unnamed-chunk-35-1.png" id="0" name="Picture 1"/>
+          <p:cNvPicPr>
+            <a:picLocks noGrp="1" noChangeAspect="1"/>
+          </p:cNvPicPr>
+          <p:nvPr/>
+        </p:nvPicPr>
+        <p:blipFill>
+          <a:blip r:embed="rId2"/>
+          <a:stretch>
+            <a:fillRect/>
+          </a:stretch>
+        </p:blipFill>
+        <p:spPr bwMode="auto">
+          <a:xfrm>
+            <a:off x="3568700" y="355600"/>
+            <a:ext cx="5105400" cy="4089400"/>
+          </a:xfrm>
+          <a:prstGeom prst="rect">
+            <a:avLst/>
+          </a:prstGeom>
+          <a:noFill/>
+          <a:ln w="9525">
+            <a:noFill/>
+            <a:headEnd/>
+            <a:tailEnd/>
+          </a:ln>
+        </p:spPr>
+      </p:pic>
+    </p:spTree>
+  </p:cSld>
+</p:sld>
+</file>
+
+<file path=ppt/slides/slide15.xml><?xml version="1.0" encoding="utf-8"?>
+<p:sld xmlns:a="http://schemas.openxmlformats.org/drawingml/2006/main" xmlns:r="http://schemas.openxmlformats.org/officeDocument/2006/relationships" xmlns:p="http://schemas.openxmlformats.org/presentationml/2006/main">
+  <p:cSld>
+    <p:spTree>
+      <p:nvGrpSpPr>
+        <p:cNvPr id="1" name=""/>
+        <p:cNvGrpSpPr/>
+        <p:nvPr/>
+      </p:nvGrpSpPr>
+      <p:grpSpPr>
+        <a:xfrm>
+          <a:off x="0" y="0"/>
+          <a:ext cx="0" cy="0"/>
+          <a:chOff x="0" y="0"/>
+          <a:chExt cx="0" cy="0"/>
+        </a:xfrm>
+      </p:grpSpPr>
+      <p:sp>
+        <p:nvSpPr>
+          <p:cNvPr id="2" name="Title 1"/>
+          <p:cNvSpPr>
+            <a:spLocks noGrp="1"/>
+          </p:cNvSpPr>
+          <p:nvPr>
+            <p:ph type="title"/>
+          </p:nvPr>
+        </p:nvSpPr>
+        <p:spPr>
+          <a:xfrm>
+            <a:off x="457201" y="204787"/>
+            <a:ext cx="3008313" cy="871538"/>
+          </a:xfrm>
+        </p:spPr>
+        <p:txBody>
+          <a:bodyPr/>
+          <a:lstStyle/>
+          <a:p>
+            <a:pPr lvl="0" indent="0" marL="0">
+              <a:buNone/>
+            </a:pPr>
+            <a:r>
+              <a:rPr/>
+              <a:t>PTSD level and Culture</a:t>
+            </a:r>
+          </a:p>
+        </p:txBody>
+      </p:sp>
+      <p:sp>
+        <p:nvSpPr>
+          <p:cNvPr id="4" name="Text Placeholder 3"/>
+          <p:cNvSpPr>
+            <a:spLocks noGrp="1"/>
+          </p:cNvSpPr>
+          <p:nvPr>
+            <p:ph idx="2" sz="half" type="body"/>
+          </p:nvPr>
+        </p:nvSpPr>
+        <p:spPr/>
+        <p:txBody>
+          <a:bodyPr/>
+          <a:lstStyle/>
+          <a:p>
+            <a:pPr lvl="0" indent="0">
+              <a:buNone/>
+            </a:pPr>
+            <a:r>
+              <a:rPr>
+                <a:latin typeface="Courier"/>
+              </a:rPr>
+              <a:t>## Scale for colour is already present.
+## Adding another scale for colour, which will replace the existing scale.</a:t>
+            </a:r>
+          </a:p>
+        </p:txBody>
+      </p:sp>
+      <p:pic>
+        <p:nvPicPr>
+          <p:cNvPr descr="Presentaion_Bis15_files/figure-pptx/unnamed-chunk-37-1.png" id="0" name="Picture 1"/>
+          <p:cNvPicPr>
+            <a:picLocks noGrp="1" noChangeAspect="1"/>
+          </p:cNvPicPr>
+          <p:nvPr/>
+        </p:nvPicPr>
+        <p:blipFill>
+          <a:blip r:embed="rId2"/>
+          <a:stretch>
+            <a:fillRect/>
+          </a:stretch>
+        </p:blipFill>
+        <p:spPr bwMode="auto">
+          <a:xfrm>
+            <a:off x="3568700" y="355600"/>
+            <a:ext cx="5105400" cy="4089400"/>
+          </a:xfrm>
+          <a:prstGeom prst="rect">
+            <a:avLst/>
+          </a:prstGeom>
+          <a:noFill/>
+          <a:ln w="9525">
+            <a:noFill/>
+            <a:headEnd/>
+            <a:tailEnd/>
+          </a:ln>
+        </p:spPr>
+      </p:pic>
+    </p:spTree>
+  </p:cSld>
+</p:sld>
+</file>
+
+<file path=ppt/slides/slide16.xml><?xml version="1.0" encoding="utf-8"?>
+<p:sld xmlns:a="http://schemas.openxmlformats.org/drawingml/2006/main" xmlns:r="http://schemas.openxmlformats.org/officeDocument/2006/relationships" xmlns:p="http://schemas.openxmlformats.org/presentationml/2006/main">
+  <p:cSld>
+    <p:spTree>
+      <p:nvGrpSpPr>
+        <p:cNvPr id="1" name=""/>
+        <p:cNvGrpSpPr/>
+        <p:nvPr/>
+      </p:nvGrpSpPr>
+      <p:grpSpPr>
+        <a:xfrm>
+          <a:off x="0" y="0"/>
+          <a:ext cx="0" cy="0"/>
+          <a:chOff x="0" y="0"/>
+          <a:chExt cx="0" cy="0"/>
+        </a:xfrm>
+      </p:grpSpPr>
+      <p:sp>
+        <p:nvSpPr>
+          <p:cNvPr id="2" name="Title 1"/>
+          <p:cNvSpPr>
+            <a:spLocks noGrp="1"/>
+          </p:cNvSpPr>
+          <p:nvPr>
+            <p:ph type="title"/>
+          </p:nvPr>
+        </p:nvSpPr>
+        <p:spPr/>
+        <p:txBody>
+          <a:bodyPr/>
+          <a:lstStyle/>
+          <a:p>
+            <a:pPr lvl="0" indent="0" marL="0">
+              <a:buNone/>
+            </a:pPr>
+            <a:r>
+              <a:rPr/>
+              <a:t>Conclusion</a:t>
+            </a:r>
+          </a:p>
+        </p:txBody>
+      </p:sp>
+      <p:sp>
+        <p:nvSpPr>
+          <p:cNvPr id="3" name="Content Placeholder 2"/>
+          <p:cNvSpPr>
+            <a:spLocks noGrp="1"/>
+          </p:cNvSpPr>
+          <p:nvPr>
+            <p:ph idx="1"/>
+          </p:nvPr>
+        </p:nvSpPr>
+        <p:spPr/>
+        <p:txBody>
+          <a:bodyPr/>
+          <a:lstStyle/>
+          <a:p>
+            <a:pPr lvl="0" indent="0" marL="0">
+              <a:buNone/>
+            </a:pPr>
+            <a:r>
+              <a:rPr/>
+              <a:t>-What are the correlations between the variables (religion, age, education, axiety level, depression level, culture) on the brooding levels?</a:t>
+            </a:r>
+          </a:p>
+          <a:p>
+            <a:pPr lvl="0" indent="0">
+              <a:buNone/>
+            </a:pPr>
+            <a:r>
+              <a:rPr>
+                <a:latin typeface="Courier"/>
+              </a:rPr>
+              <a:t>  -Brooding levels tend to have a positive correlation with the above variables 
+  </a:t>
+            </a:r>
+          </a:p>
+          <a:p>
+            <a:pPr lvl="0" indent="0" marL="0">
+              <a:buNone/>
+            </a:pPr>
+            <a:r>
+              <a:rPr/>
+              <a:t>-What does that mean for Brooding levels?</a:t>
+            </a:r>
+          </a:p>
+        </p:txBody>
+      </p:sp>
     </p:spTree>
   </p:cSld>
 </p:sld>
@@ -3631,12 +4202,12 @@
       </p:grpSpPr>
       <p:sp>
         <p:nvSpPr>
-          <p:cNvPr id="4" name="Text Placeholder 3"/>
-          <p:cNvSpPr>
-            <a:spLocks noGrp="1"/>
-          </p:cNvSpPr>
-          <p:nvPr>
-            <p:ph idx="2" sz="half" type="body"/>
+          <p:cNvPr id="2" name="Title 1"/>
+          <p:cNvSpPr>
+            <a:spLocks noGrp="1"/>
+          </p:cNvSpPr>
+          <p:nvPr>
+            <p:ph type="title"/>
           </p:nvPr>
         </p:nvSpPr>
         <p:spPr/>
@@ -3649,7 +4220,7 @@
             </a:pPr>
             <a:r>
               <a:rPr/>
-              <a:t> ## How does Religion and Education level affect Brooding Scores?</a:t>
+              <a:t>How does Religion and Education level affect Brooding Scores?</a:t>
             </a:r>
           </a:p>
         </p:txBody>
@@ -3670,8 +4241,8 @@
         </p:blipFill>
         <p:spPr bwMode="auto">
           <a:xfrm>
-            <a:off x="3568700" y="355600"/>
-            <a:ext cx="5105400" cy="4089400"/>
+            <a:off x="2451100" y="1193800"/>
+            <a:ext cx="4241800" cy="3390900"/>
           </a:xfrm>
           <a:prstGeom prst="rect">
             <a:avLst/>
